--- a/assets/pptx/LC03.pptx
+++ b/assets/pptx/LC03.pptx
@@ -304,7 +304,7 @@
           <a:p>
             <a:fld id="{CDE2513C-FCBA-4F4B-8148-2BCB85EA8298}" type="datetimeFigureOut">
               <a:rPr lang="fr-FR" smtClean="0"/>
-              <a:t>16/06/2021</a:t>
+              <a:t>20/06/2021</a:t>
             </a:fld>
             <a:endParaRPr lang="fr-FR"/>
           </a:p>
@@ -502,7 +502,7 @@
           <a:p>
             <a:fld id="{CDE2513C-FCBA-4F4B-8148-2BCB85EA8298}" type="datetimeFigureOut">
               <a:rPr lang="fr-FR" smtClean="0"/>
-              <a:t>16/06/2021</a:t>
+              <a:t>20/06/2021</a:t>
             </a:fld>
             <a:endParaRPr lang="fr-FR"/>
           </a:p>
@@ -710,7 +710,7 @@
           <a:p>
             <a:fld id="{CDE2513C-FCBA-4F4B-8148-2BCB85EA8298}" type="datetimeFigureOut">
               <a:rPr lang="fr-FR" smtClean="0"/>
-              <a:t>16/06/2021</a:t>
+              <a:t>20/06/2021</a:t>
             </a:fld>
             <a:endParaRPr lang="fr-FR"/>
           </a:p>
@@ -908,7 +908,7 @@
           <a:p>
             <a:fld id="{CDE2513C-FCBA-4F4B-8148-2BCB85EA8298}" type="datetimeFigureOut">
               <a:rPr lang="fr-FR" smtClean="0"/>
-              <a:t>16/06/2021</a:t>
+              <a:t>20/06/2021</a:t>
             </a:fld>
             <a:endParaRPr lang="fr-FR"/>
           </a:p>
@@ -1183,7 +1183,7 @@
           <a:p>
             <a:fld id="{CDE2513C-FCBA-4F4B-8148-2BCB85EA8298}" type="datetimeFigureOut">
               <a:rPr lang="fr-FR" smtClean="0"/>
-              <a:t>16/06/2021</a:t>
+              <a:t>20/06/2021</a:t>
             </a:fld>
             <a:endParaRPr lang="fr-FR"/>
           </a:p>
@@ -1448,7 +1448,7 @@
           <a:p>
             <a:fld id="{CDE2513C-FCBA-4F4B-8148-2BCB85EA8298}" type="datetimeFigureOut">
               <a:rPr lang="fr-FR" smtClean="0"/>
-              <a:t>16/06/2021</a:t>
+              <a:t>20/06/2021</a:t>
             </a:fld>
             <a:endParaRPr lang="fr-FR"/>
           </a:p>
@@ -1860,7 +1860,7 @@
           <a:p>
             <a:fld id="{CDE2513C-FCBA-4F4B-8148-2BCB85EA8298}" type="datetimeFigureOut">
               <a:rPr lang="fr-FR" smtClean="0"/>
-              <a:t>16/06/2021</a:t>
+              <a:t>20/06/2021</a:t>
             </a:fld>
             <a:endParaRPr lang="fr-FR"/>
           </a:p>
@@ -2001,7 +2001,7 @@
           <a:p>
             <a:fld id="{CDE2513C-FCBA-4F4B-8148-2BCB85EA8298}" type="datetimeFigureOut">
               <a:rPr lang="fr-FR" smtClean="0"/>
-              <a:t>16/06/2021</a:t>
+              <a:t>20/06/2021</a:t>
             </a:fld>
             <a:endParaRPr lang="fr-FR"/>
           </a:p>
@@ -2114,7 +2114,7 @@
           <a:p>
             <a:fld id="{CDE2513C-FCBA-4F4B-8148-2BCB85EA8298}" type="datetimeFigureOut">
               <a:rPr lang="fr-FR" smtClean="0"/>
-              <a:t>16/06/2021</a:t>
+              <a:t>20/06/2021</a:t>
             </a:fld>
             <a:endParaRPr lang="fr-FR"/>
           </a:p>
@@ -2425,7 +2425,7 @@
           <a:p>
             <a:fld id="{CDE2513C-FCBA-4F4B-8148-2BCB85EA8298}" type="datetimeFigureOut">
               <a:rPr lang="fr-FR" smtClean="0"/>
-              <a:t>16/06/2021</a:t>
+              <a:t>20/06/2021</a:t>
             </a:fld>
             <a:endParaRPr lang="fr-FR"/>
           </a:p>
@@ -2713,7 +2713,7 @@
           <a:p>
             <a:fld id="{CDE2513C-FCBA-4F4B-8148-2BCB85EA8298}" type="datetimeFigureOut">
               <a:rPr lang="fr-FR" smtClean="0"/>
-              <a:t>16/06/2021</a:t>
+              <a:t>20/06/2021</a:t>
             </a:fld>
             <a:endParaRPr lang="fr-FR"/>
           </a:p>
@@ -2954,7 +2954,7 @@
           <a:p>
             <a:fld id="{CDE2513C-FCBA-4F4B-8148-2BCB85EA8298}" type="datetimeFigureOut">
               <a:rPr lang="fr-FR" smtClean="0"/>
-              <a:t>16/06/2021</a:t>
+              <a:t>20/06/2021</a:t>
             </a:fld>
             <a:endParaRPr lang="fr-FR"/>
           </a:p>
@@ -10990,8 +10990,8 @@
         </p:nvSpPr>
         <p:spPr>
           <a:xfrm>
-            <a:off x="1232452" y="5044198"/>
-            <a:ext cx="9387808" cy="830997"/>
+            <a:off x="979889" y="5044198"/>
+            <a:ext cx="10015556" cy="830997"/>
           </a:xfrm>
           <a:prstGeom prst="rect">
             <a:avLst/>
@@ -11006,8 +11006,21 @@
           <a:p>
             <a:r>
               <a:rPr lang="fr-FR" sz="3000" dirty="0"/>
-              <a:t>Valeur tabulée :  [α] = 66,5 °.mL/g/dm pour le saccharose</a:t>
-            </a:r>
+              <a:t>Valeur tabulée :  [α] =12.5 °.</a:t>
+            </a:r>
+            <a:r>
+              <a:rPr lang="fr-FR" sz="3000" dirty="0" err="1"/>
+              <a:t>mL</a:t>
+            </a:r>
+            <a:r>
+              <a:rPr lang="fr-FR" sz="3000" dirty="0"/>
+              <a:t>/g/dm pour l’acide (+) </a:t>
+            </a:r>
+            <a:r>
+              <a:rPr lang="fr-FR" sz="3000" dirty="0" err="1"/>
+              <a:t>tratrique</a:t>
+            </a:r>
+            <a:endParaRPr lang="fr-FR" sz="3000" dirty="0"/>
           </a:p>
           <a:p>
             <a:endParaRPr lang="fr-FR" dirty="0"/>

--- a/assets/pptx/LC03.pptx
+++ b/assets/pptx/LC03.pptx
@@ -304,7 +304,7 @@
           <a:p>
             <a:fld id="{CDE2513C-FCBA-4F4B-8148-2BCB85EA8298}" type="datetimeFigureOut">
               <a:rPr lang="fr-FR" smtClean="0"/>
-              <a:t>20/06/2021</a:t>
+              <a:t>27/06/2021</a:t>
             </a:fld>
             <a:endParaRPr lang="fr-FR"/>
           </a:p>
@@ -502,7 +502,7 @@
           <a:p>
             <a:fld id="{CDE2513C-FCBA-4F4B-8148-2BCB85EA8298}" type="datetimeFigureOut">
               <a:rPr lang="fr-FR" smtClean="0"/>
-              <a:t>20/06/2021</a:t>
+              <a:t>27/06/2021</a:t>
             </a:fld>
             <a:endParaRPr lang="fr-FR"/>
           </a:p>
@@ -710,7 +710,7 @@
           <a:p>
             <a:fld id="{CDE2513C-FCBA-4F4B-8148-2BCB85EA8298}" type="datetimeFigureOut">
               <a:rPr lang="fr-FR" smtClean="0"/>
-              <a:t>20/06/2021</a:t>
+              <a:t>27/06/2021</a:t>
             </a:fld>
             <a:endParaRPr lang="fr-FR"/>
           </a:p>
@@ -908,7 +908,7 @@
           <a:p>
             <a:fld id="{CDE2513C-FCBA-4F4B-8148-2BCB85EA8298}" type="datetimeFigureOut">
               <a:rPr lang="fr-FR" smtClean="0"/>
-              <a:t>20/06/2021</a:t>
+              <a:t>27/06/2021</a:t>
             </a:fld>
             <a:endParaRPr lang="fr-FR"/>
           </a:p>
@@ -1183,7 +1183,7 @@
           <a:p>
             <a:fld id="{CDE2513C-FCBA-4F4B-8148-2BCB85EA8298}" type="datetimeFigureOut">
               <a:rPr lang="fr-FR" smtClean="0"/>
-              <a:t>20/06/2021</a:t>
+              <a:t>27/06/2021</a:t>
             </a:fld>
             <a:endParaRPr lang="fr-FR"/>
           </a:p>
@@ -1448,7 +1448,7 @@
           <a:p>
             <a:fld id="{CDE2513C-FCBA-4F4B-8148-2BCB85EA8298}" type="datetimeFigureOut">
               <a:rPr lang="fr-FR" smtClean="0"/>
-              <a:t>20/06/2021</a:t>
+              <a:t>27/06/2021</a:t>
             </a:fld>
             <a:endParaRPr lang="fr-FR"/>
           </a:p>
@@ -1860,7 +1860,7 @@
           <a:p>
             <a:fld id="{CDE2513C-FCBA-4F4B-8148-2BCB85EA8298}" type="datetimeFigureOut">
               <a:rPr lang="fr-FR" smtClean="0"/>
-              <a:t>20/06/2021</a:t>
+              <a:t>27/06/2021</a:t>
             </a:fld>
             <a:endParaRPr lang="fr-FR"/>
           </a:p>
@@ -2001,7 +2001,7 @@
           <a:p>
             <a:fld id="{CDE2513C-FCBA-4F4B-8148-2BCB85EA8298}" type="datetimeFigureOut">
               <a:rPr lang="fr-FR" smtClean="0"/>
-              <a:t>20/06/2021</a:t>
+              <a:t>27/06/2021</a:t>
             </a:fld>
             <a:endParaRPr lang="fr-FR"/>
           </a:p>
@@ -2114,7 +2114,7 @@
           <a:p>
             <a:fld id="{CDE2513C-FCBA-4F4B-8148-2BCB85EA8298}" type="datetimeFigureOut">
               <a:rPr lang="fr-FR" smtClean="0"/>
-              <a:t>20/06/2021</a:t>
+              <a:t>27/06/2021</a:t>
             </a:fld>
             <a:endParaRPr lang="fr-FR"/>
           </a:p>
@@ -2425,7 +2425,7 @@
           <a:p>
             <a:fld id="{CDE2513C-FCBA-4F4B-8148-2BCB85EA8298}" type="datetimeFigureOut">
               <a:rPr lang="fr-FR" smtClean="0"/>
-              <a:t>20/06/2021</a:t>
+              <a:t>27/06/2021</a:t>
             </a:fld>
             <a:endParaRPr lang="fr-FR"/>
           </a:p>
@@ -2713,7 +2713,7 @@
           <a:p>
             <a:fld id="{CDE2513C-FCBA-4F4B-8148-2BCB85EA8298}" type="datetimeFigureOut">
               <a:rPr lang="fr-FR" smtClean="0"/>
-              <a:t>20/06/2021</a:t>
+              <a:t>27/06/2021</a:t>
             </a:fld>
             <a:endParaRPr lang="fr-FR"/>
           </a:p>
@@ -2954,7 +2954,7 @@
           <a:p>
             <a:fld id="{CDE2513C-FCBA-4F4B-8148-2BCB85EA8298}" type="datetimeFigureOut">
               <a:rPr lang="fr-FR" smtClean="0"/>
-              <a:t>20/06/2021</a:t>
+              <a:t>27/06/2021</a:t>
             </a:fld>
             <a:endParaRPr lang="fr-FR"/>
           </a:p>
@@ -10353,13 +10353,8 @@
             </a:r>
             <a:r>
               <a:rPr lang="fr-FR" sz="3000" dirty="0"/>
-              <a:t>/g/dm pour l’acide (+) </a:t>
-            </a:r>
-            <a:r>
-              <a:rPr lang="fr-FR" sz="3000" dirty="0" err="1"/>
-              <a:t>tratrique</a:t>
-            </a:r>
-            <a:endParaRPr lang="fr-FR" sz="3000" dirty="0"/>
+              <a:t>/g/dm pour l’acide (+) tartrique</a:t>
+            </a:r>
           </a:p>
           <a:p>
             <a:endParaRPr lang="fr-FR" dirty="0"/>
